--- a/Fase 3/PresentacionFase3.pptx
+++ b/Fase 3/PresentacionFase3.pptx
@@ -840,8 +840,8 @@
         </p:nvSpPr>
         <p:spPr>
           <a:xfrm>
-            <a:off x="2857500" y="512763"/>
-            <a:ext cx="3429000" cy="2566987"/>
+            <a:off x="2290763" y="512763"/>
+            <a:ext cx="4562475" cy="2566987"/>
           </a:xfrm>
           <a:prstGeom prst="rect">
             <a:avLst/>
@@ -10135,57 +10135,104 @@
       </p:grpSpPr>
       <p:sp>
         <p:nvSpPr>
-          <p:cNvPr id="2" name="Freeform 2"/>
-          <p:cNvSpPr/>
+          <p:cNvPr id="8" name="CuadroTexto 7">
+            <a:extLst>
+              <a:ext uri="{FF2B5EF4-FFF2-40B4-BE49-F238E27FC236}">
+                <a16:creationId xmlns:a16="http://schemas.microsoft.com/office/drawing/2014/main" id="{8843EC9E-C5E4-89F8-2714-A900363EF1DC}"/>
+              </a:ext>
+            </a:extLst>
+          </p:cNvPr>
+          <p:cNvSpPr txBox="1"/>
           <p:nvPr/>
         </p:nvSpPr>
         <p:spPr>
           <a:xfrm>
-            <a:off x="1232993" y="170662"/>
-            <a:ext cx="15822015" cy="9945676"/>
-          </a:xfrm>
-          <a:custGeom>
+            <a:off x="4572000" y="4960648"/>
+            <a:ext cx="9144000" cy="369332"/>
+          </a:xfrm>
+          <a:prstGeom prst="rect">
             <a:avLst/>
-            <a:gdLst/>
-            <a:ahLst/>
-            <a:cxnLst/>
-            <a:rect l="l" t="t" r="r" b="b"/>
-            <a:pathLst>
-              <a:path w="15822015" h="9945676">
-                <a:moveTo>
-                  <a:pt x="0" y="0"/>
-                </a:moveTo>
-                <a:lnTo>
-                  <a:pt x="15822014" y="0"/>
-                </a:lnTo>
-                <a:lnTo>
-                  <a:pt x="15822014" y="9945676"/>
-                </a:lnTo>
-                <a:lnTo>
-                  <a:pt x="0" y="9945676"/>
-                </a:lnTo>
-                <a:lnTo>
-                  <a:pt x="0" y="0"/>
-                </a:lnTo>
-                <a:close/>
-              </a:path>
-            </a:pathLst>
-          </a:custGeom>
-          <a:blipFill>
-            <a:blip r:embed="rId3"/>
-            <a:stretch>
-              <a:fillRect t="-2597" b="-2597"/>
-            </a:stretch>
-          </a:blipFill>
+          </a:prstGeom>
+          <a:noFill/>
         </p:spPr>
         <p:txBody>
-          <a:bodyPr/>
+          <a:bodyPr wrap="square">
+            <a:spAutoFit/>
+          </a:bodyPr>
           <a:lstStyle/>
           <a:p>
-            <a:endParaRPr lang="es-CL"/>
-          </a:p>
-        </p:txBody>
-      </p:sp>
+            <a:endParaRPr lang="es-CL" dirty="0"/>
+          </a:p>
+        </p:txBody>
+      </p:sp>
+      <p:sp>
+        <p:nvSpPr>
+          <p:cNvPr id="10" name="CuadroTexto 9">
+            <a:extLst>
+              <a:ext uri="{FF2B5EF4-FFF2-40B4-BE49-F238E27FC236}">
+                <a16:creationId xmlns:a16="http://schemas.microsoft.com/office/drawing/2014/main" id="{A387FB9E-A76F-6F3C-C37E-4786E9C2C616}"/>
+              </a:ext>
+            </a:extLst>
+          </p:cNvPr>
+          <p:cNvSpPr txBox="1"/>
+          <p:nvPr/>
+        </p:nvSpPr>
+        <p:spPr>
+          <a:xfrm>
+            <a:off x="4572000" y="4960648"/>
+            <a:ext cx="9144000" cy="369332"/>
+          </a:xfrm>
+          <a:prstGeom prst="rect">
+            <a:avLst/>
+          </a:prstGeom>
+          <a:noFill/>
+        </p:spPr>
+        <p:txBody>
+          <a:bodyPr wrap="square">
+            <a:spAutoFit/>
+          </a:bodyPr>
+          <a:lstStyle/>
+          <a:p>
+            <a:endParaRPr lang="es-CL" dirty="0"/>
+          </a:p>
+        </p:txBody>
+      </p:sp>
+      <p:pic>
+        <p:nvPicPr>
+          <p:cNvPr id="13" name="Imagen 12" descr="Interfaz de usuario gráfica, Diagrama&#10;&#10;El contenido generado por IA puede ser incorrecto.">
+            <a:extLst>
+              <a:ext uri="{FF2B5EF4-FFF2-40B4-BE49-F238E27FC236}">
+                <a16:creationId xmlns:a16="http://schemas.microsoft.com/office/drawing/2014/main" id="{C3172CC9-C051-257C-3A81-9AEB22F52A7F}"/>
+              </a:ext>
+            </a:extLst>
+          </p:cNvPr>
+          <p:cNvPicPr>
+            <a:picLocks noChangeAspect="1"/>
+          </p:cNvPicPr>
+          <p:nvPr/>
+        </p:nvPicPr>
+        <p:blipFill>
+          <a:blip r:embed="rId3">
+            <a:extLst>
+              <a:ext uri="{28A0092B-C50C-407E-A947-70E740481C1C}">
+                <a14:useLocalDpi xmlns:a14="http://schemas.microsoft.com/office/drawing/2010/main" val="0"/>
+              </a:ext>
+            </a:extLst>
+          </a:blip>
+          <a:stretch>
+            <a:fillRect/>
+          </a:stretch>
+        </p:blipFill>
+        <p:spPr>
+          <a:xfrm>
+            <a:off x="1714249" y="228434"/>
+            <a:ext cx="14859502" cy="9830132"/>
+          </a:xfrm>
+          <a:prstGeom prst="rect">
+            <a:avLst/>
+          </a:prstGeom>
+        </p:spPr>
+      </p:pic>
     </p:spTree>
   </p:cSld>
   <p:clrMapOvr>
